--- a/demo/doc/PlaidCellStateChart.pptx
+++ b/demo/doc/PlaidCellStateChart.pptx
@@ -288,7 +288,7 @@
           <a:p>
             <a:fld id="{176EA6CB-455A-4261-AB85-24D24F5F2F66}" type="datetimeFigureOut">
               <a:rPr lang="en-US" smtClean="0"/>
-              <a:t>10/25/2011</a:t>
+              <a:t>10/25/11</a:t>
             </a:fld>
             <a:endParaRPr lang="en-US"/>
           </a:p>
@@ -453,7 +453,7 @@
           <a:p>
             <a:fld id="{176EA6CB-455A-4261-AB85-24D24F5F2F66}" type="datetimeFigureOut">
               <a:rPr lang="en-US" smtClean="0"/>
-              <a:t>10/25/2011</a:t>
+              <a:t>10/25/11</a:t>
             </a:fld>
             <a:endParaRPr lang="en-US"/>
           </a:p>
@@ -628,7 +628,7 @@
           <a:p>
             <a:fld id="{176EA6CB-455A-4261-AB85-24D24F5F2F66}" type="datetimeFigureOut">
               <a:rPr lang="en-US" smtClean="0"/>
-              <a:t>10/25/2011</a:t>
+              <a:t>10/25/11</a:t>
             </a:fld>
             <a:endParaRPr lang="en-US"/>
           </a:p>
@@ -793,7 +793,7 @@
           <a:p>
             <a:fld id="{176EA6CB-455A-4261-AB85-24D24F5F2F66}" type="datetimeFigureOut">
               <a:rPr lang="en-US" smtClean="0"/>
-              <a:t>10/25/2011</a:t>
+              <a:t>10/25/11</a:t>
             </a:fld>
             <a:endParaRPr lang="en-US"/>
           </a:p>
@@ -1034,7 +1034,7 @@
           <a:p>
             <a:fld id="{176EA6CB-455A-4261-AB85-24D24F5F2F66}" type="datetimeFigureOut">
               <a:rPr lang="en-US" smtClean="0"/>
-              <a:t>10/25/2011</a:t>
+              <a:t>10/25/11</a:t>
             </a:fld>
             <a:endParaRPr lang="en-US"/>
           </a:p>
@@ -1317,7 +1317,7 @@
           <a:p>
             <a:fld id="{176EA6CB-455A-4261-AB85-24D24F5F2F66}" type="datetimeFigureOut">
               <a:rPr lang="en-US" smtClean="0"/>
-              <a:t>10/25/2011</a:t>
+              <a:t>10/25/11</a:t>
             </a:fld>
             <a:endParaRPr lang="en-US"/>
           </a:p>
@@ -1734,7 +1734,7 @@
           <a:p>
             <a:fld id="{176EA6CB-455A-4261-AB85-24D24F5F2F66}" type="datetimeFigureOut">
               <a:rPr lang="en-US" smtClean="0"/>
-              <a:t>10/25/2011</a:t>
+              <a:t>10/25/11</a:t>
             </a:fld>
             <a:endParaRPr lang="en-US"/>
           </a:p>
@@ -1847,7 +1847,7 @@
           <a:p>
             <a:fld id="{176EA6CB-455A-4261-AB85-24D24F5F2F66}" type="datetimeFigureOut">
               <a:rPr lang="en-US" smtClean="0"/>
-              <a:t>10/25/2011</a:t>
+              <a:t>10/25/11</a:t>
             </a:fld>
             <a:endParaRPr lang="en-US"/>
           </a:p>
@@ -1937,7 +1937,7 @@
           <a:p>
             <a:fld id="{176EA6CB-455A-4261-AB85-24D24F5F2F66}" type="datetimeFigureOut">
               <a:rPr lang="en-US" smtClean="0"/>
-              <a:t>10/25/2011</a:t>
+              <a:t>10/25/11</a:t>
             </a:fld>
             <a:endParaRPr lang="en-US"/>
           </a:p>
@@ -2209,7 +2209,7 @@
           <a:p>
             <a:fld id="{176EA6CB-455A-4261-AB85-24D24F5F2F66}" type="datetimeFigureOut">
               <a:rPr lang="en-US" smtClean="0"/>
-              <a:t>10/25/2011</a:t>
+              <a:t>10/25/11</a:t>
             </a:fld>
             <a:endParaRPr lang="en-US"/>
           </a:p>
@@ -2457,7 +2457,7 @@
           <a:p>
             <a:fld id="{176EA6CB-455A-4261-AB85-24D24F5F2F66}" type="datetimeFigureOut">
               <a:rPr lang="en-US" smtClean="0"/>
-              <a:t>10/25/2011</a:t>
+              <a:t>10/25/11</a:t>
             </a:fld>
             <a:endParaRPr lang="en-US"/>
           </a:p>
@@ -2665,7 +2665,7 @@
           <a:p>
             <a:fld id="{176EA6CB-455A-4261-AB85-24D24F5F2F66}" type="datetimeFigureOut">
               <a:rPr lang="en-US" smtClean="0"/>
-              <a:t>10/25/2011</a:t>
+              <a:t>10/25/11</a:t>
             </a:fld>
             <a:endParaRPr lang="en-US"/>
           </a:p>
@@ -4648,6 +4648,39 @@
             <a:schemeClr val="accent1"/>
           </a:fillRef>
           <a:effectRef idx="0">
+            <a:schemeClr val="accent1"/>
+          </a:effectRef>
+          <a:fontRef idx="minor">
+            <a:schemeClr val="tx1"/>
+          </a:fontRef>
+        </p:style>
+      </p:cxnSp>
+      <p:cxnSp>
+        <p:nvCxnSpPr>
+          <p:cNvPr id="3" name="Straight Connector 2"/>
+          <p:cNvCxnSpPr/>
+          <p:nvPr/>
+        </p:nvCxnSpPr>
+        <p:spPr>
+          <a:xfrm>
+            <a:off x="5867400" y="533400"/>
+            <a:ext cx="76200" cy="6172200"/>
+          </a:xfrm>
+          <a:prstGeom prst="line">
+            <a:avLst/>
+          </a:prstGeom>
+          <a:ln>
+            <a:prstDash val="dash"/>
+          </a:ln>
+        </p:spPr>
+        <p:style>
+          <a:lnRef idx="2">
+            <a:schemeClr val="accent1"/>
+          </a:lnRef>
+          <a:fillRef idx="0">
+            <a:schemeClr val="accent1"/>
+          </a:fillRef>
+          <a:effectRef idx="1">
             <a:schemeClr val="accent1"/>
           </a:effectRef>
           <a:fontRef idx="minor">

--- a/demo/doc/PlaidCellStateChart.pptx
+++ b/demo/doc/PlaidCellStateChart.pptx
@@ -288,7 +288,8 @@
           <a:p>
             <a:fld id="{176EA6CB-455A-4261-AB85-24D24F5F2F66}" type="datetimeFigureOut">
               <a:rPr lang="en-US" smtClean="0"/>
-              <a:t>10/25/11</a:t>
+              <a:pPr/>
+              <a:t>10/31/2011</a:t>
             </a:fld>
             <a:endParaRPr lang="en-US"/>
           </a:p>
@@ -330,6 +331,7 @@
           <a:p>
             <a:fld id="{304F6BEF-F70C-4687-9901-23F3024FE8A0}" type="slidenum">
               <a:rPr lang="en-US" smtClean="0"/>
+              <a:pPr/>
               <a:t>‹#›</a:t>
             </a:fld>
             <a:endParaRPr lang="en-US"/>
@@ -453,7 +455,8 @@
           <a:p>
             <a:fld id="{176EA6CB-455A-4261-AB85-24D24F5F2F66}" type="datetimeFigureOut">
               <a:rPr lang="en-US" smtClean="0"/>
-              <a:t>10/25/11</a:t>
+              <a:pPr/>
+              <a:t>10/31/2011</a:t>
             </a:fld>
             <a:endParaRPr lang="en-US"/>
           </a:p>
@@ -495,6 +498,7 @@
           <a:p>
             <a:fld id="{304F6BEF-F70C-4687-9901-23F3024FE8A0}" type="slidenum">
               <a:rPr lang="en-US" smtClean="0"/>
+              <a:pPr/>
               <a:t>‹#›</a:t>
             </a:fld>
             <a:endParaRPr lang="en-US"/>
@@ -628,7 +632,8 @@
           <a:p>
             <a:fld id="{176EA6CB-455A-4261-AB85-24D24F5F2F66}" type="datetimeFigureOut">
               <a:rPr lang="en-US" smtClean="0"/>
-              <a:t>10/25/11</a:t>
+              <a:pPr/>
+              <a:t>10/31/2011</a:t>
             </a:fld>
             <a:endParaRPr lang="en-US"/>
           </a:p>
@@ -670,6 +675,7 @@
           <a:p>
             <a:fld id="{304F6BEF-F70C-4687-9901-23F3024FE8A0}" type="slidenum">
               <a:rPr lang="en-US" smtClean="0"/>
+              <a:pPr/>
               <a:t>‹#›</a:t>
             </a:fld>
             <a:endParaRPr lang="en-US"/>
@@ -793,7 +799,8 @@
           <a:p>
             <a:fld id="{176EA6CB-455A-4261-AB85-24D24F5F2F66}" type="datetimeFigureOut">
               <a:rPr lang="en-US" smtClean="0"/>
-              <a:t>10/25/11</a:t>
+              <a:pPr/>
+              <a:t>10/31/2011</a:t>
             </a:fld>
             <a:endParaRPr lang="en-US"/>
           </a:p>
@@ -835,6 +842,7 @@
           <a:p>
             <a:fld id="{304F6BEF-F70C-4687-9901-23F3024FE8A0}" type="slidenum">
               <a:rPr lang="en-US" smtClean="0"/>
+              <a:pPr/>
               <a:t>‹#›</a:t>
             </a:fld>
             <a:endParaRPr lang="en-US"/>
@@ -1034,7 +1042,8 @@
           <a:p>
             <a:fld id="{176EA6CB-455A-4261-AB85-24D24F5F2F66}" type="datetimeFigureOut">
               <a:rPr lang="en-US" smtClean="0"/>
-              <a:t>10/25/11</a:t>
+              <a:pPr/>
+              <a:t>10/31/2011</a:t>
             </a:fld>
             <a:endParaRPr lang="en-US"/>
           </a:p>
@@ -1076,6 +1085,7 @@
           <a:p>
             <a:fld id="{304F6BEF-F70C-4687-9901-23F3024FE8A0}" type="slidenum">
               <a:rPr lang="en-US" smtClean="0"/>
+              <a:pPr/>
               <a:t>‹#›</a:t>
             </a:fld>
             <a:endParaRPr lang="en-US"/>
@@ -1317,7 +1327,8 @@
           <a:p>
             <a:fld id="{176EA6CB-455A-4261-AB85-24D24F5F2F66}" type="datetimeFigureOut">
               <a:rPr lang="en-US" smtClean="0"/>
-              <a:t>10/25/11</a:t>
+              <a:pPr/>
+              <a:t>10/31/2011</a:t>
             </a:fld>
             <a:endParaRPr lang="en-US"/>
           </a:p>
@@ -1359,6 +1370,7 @@
           <a:p>
             <a:fld id="{304F6BEF-F70C-4687-9901-23F3024FE8A0}" type="slidenum">
               <a:rPr lang="en-US" smtClean="0"/>
+              <a:pPr/>
               <a:t>‹#›</a:t>
             </a:fld>
             <a:endParaRPr lang="en-US"/>
@@ -1734,7 +1746,8 @@
           <a:p>
             <a:fld id="{176EA6CB-455A-4261-AB85-24D24F5F2F66}" type="datetimeFigureOut">
               <a:rPr lang="en-US" smtClean="0"/>
-              <a:t>10/25/11</a:t>
+              <a:pPr/>
+              <a:t>10/31/2011</a:t>
             </a:fld>
             <a:endParaRPr lang="en-US"/>
           </a:p>
@@ -1776,6 +1789,7 @@
           <a:p>
             <a:fld id="{304F6BEF-F70C-4687-9901-23F3024FE8A0}" type="slidenum">
               <a:rPr lang="en-US" smtClean="0"/>
+              <a:pPr/>
               <a:t>‹#›</a:t>
             </a:fld>
             <a:endParaRPr lang="en-US"/>
@@ -1847,7 +1861,8 @@
           <a:p>
             <a:fld id="{176EA6CB-455A-4261-AB85-24D24F5F2F66}" type="datetimeFigureOut">
               <a:rPr lang="en-US" smtClean="0"/>
-              <a:t>10/25/11</a:t>
+              <a:pPr/>
+              <a:t>10/31/2011</a:t>
             </a:fld>
             <a:endParaRPr lang="en-US"/>
           </a:p>
@@ -1889,6 +1904,7 @@
           <a:p>
             <a:fld id="{304F6BEF-F70C-4687-9901-23F3024FE8A0}" type="slidenum">
               <a:rPr lang="en-US" smtClean="0"/>
+              <a:pPr/>
               <a:t>‹#›</a:t>
             </a:fld>
             <a:endParaRPr lang="en-US"/>
@@ -1937,7 +1953,8 @@
           <a:p>
             <a:fld id="{176EA6CB-455A-4261-AB85-24D24F5F2F66}" type="datetimeFigureOut">
               <a:rPr lang="en-US" smtClean="0"/>
-              <a:t>10/25/11</a:t>
+              <a:pPr/>
+              <a:t>10/31/2011</a:t>
             </a:fld>
             <a:endParaRPr lang="en-US"/>
           </a:p>
@@ -1979,6 +1996,7 @@
           <a:p>
             <a:fld id="{304F6BEF-F70C-4687-9901-23F3024FE8A0}" type="slidenum">
               <a:rPr lang="en-US" smtClean="0"/>
+              <a:pPr/>
               <a:t>‹#›</a:t>
             </a:fld>
             <a:endParaRPr lang="en-US"/>
@@ -2209,7 +2227,8 @@
           <a:p>
             <a:fld id="{176EA6CB-455A-4261-AB85-24D24F5F2F66}" type="datetimeFigureOut">
               <a:rPr lang="en-US" smtClean="0"/>
-              <a:t>10/25/11</a:t>
+              <a:pPr/>
+              <a:t>10/31/2011</a:t>
             </a:fld>
             <a:endParaRPr lang="en-US"/>
           </a:p>
@@ -2251,6 +2270,7 @@
           <a:p>
             <a:fld id="{304F6BEF-F70C-4687-9901-23F3024FE8A0}" type="slidenum">
               <a:rPr lang="en-US" smtClean="0"/>
+              <a:pPr/>
               <a:t>‹#›</a:t>
             </a:fld>
             <a:endParaRPr lang="en-US"/>
@@ -2457,7 +2477,8 @@
           <a:p>
             <a:fld id="{176EA6CB-455A-4261-AB85-24D24F5F2F66}" type="datetimeFigureOut">
               <a:rPr lang="en-US" smtClean="0"/>
-              <a:t>10/25/11</a:t>
+              <a:pPr/>
+              <a:t>10/31/2011</a:t>
             </a:fld>
             <a:endParaRPr lang="en-US"/>
           </a:p>
@@ -2499,6 +2520,7 @@
           <a:p>
             <a:fld id="{304F6BEF-F70C-4687-9901-23F3024FE8A0}" type="slidenum">
               <a:rPr lang="en-US" smtClean="0"/>
+              <a:pPr/>
               <a:t>‹#›</a:t>
             </a:fld>
             <a:endParaRPr lang="en-US"/>
@@ -2665,7 +2687,8 @@
           <a:p>
             <a:fld id="{176EA6CB-455A-4261-AB85-24D24F5F2F66}" type="datetimeFigureOut">
               <a:rPr lang="en-US" smtClean="0"/>
-              <a:t>10/25/11</a:t>
+              <a:pPr/>
+              <a:t>10/31/2011</a:t>
             </a:fld>
             <a:endParaRPr lang="en-US"/>
           </a:p>
@@ -2743,6 +2766,7 @@
           <a:p>
             <a:fld id="{304F6BEF-F70C-4687-9901-23F3024FE8A0}" type="slidenum">
               <a:rPr lang="en-US" smtClean="0"/>
+              <a:pPr/>
               <a:t>‹#›</a:t>
             </a:fld>
             <a:endParaRPr lang="en-US"/>
@@ -3438,7 +3462,7 @@
           <a:noFill/>
           <a:ln>
             <a:solidFill>
-              <a:schemeClr val="tx2"/>
+              <a:schemeClr val="accent1"/>
             </a:solidFill>
           </a:ln>
         </p:spPr>
@@ -3546,7 +3570,7 @@
           <a:noFill/>
           <a:ln>
             <a:solidFill>
-              <a:schemeClr val="tx2"/>
+              <a:schemeClr val="accent1"/>
             </a:solidFill>
           </a:ln>
         </p:spPr>
@@ -3870,7 +3894,7 @@
           <a:noFill/>
           <a:ln>
             <a:solidFill>
-              <a:schemeClr val="tx2"/>
+              <a:schemeClr val="accent1"/>
             </a:solidFill>
           </a:ln>
         </p:spPr>
@@ -4104,7 +4128,7 @@
           <a:noFill/>
           <a:ln>
             <a:solidFill>
-              <a:schemeClr val="tx2"/>
+              <a:schemeClr val="accent1"/>
             </a:solidFill>
           </a:ln>
         </p:spPr>
@@ -4320,7 +4344,7 @@
           <a:noFill/>
           <a:ln>
             <a:solidFill>
-              <a:schemeClr val="tx2"/>
+              <a:schemeClr val="accent1"/>
             </a:solidFill>
           </a:ln>
         </p:spPr>
@@ -4367,6 +4391,9 @@
             <a:avLst/>
           </a:prstGeom>
           <a:ln w="25400">
+            <a:solidFill>
+              <a:schemeClr val="accent1"/>
+            </a:solidFill>
             <a:tailEnd type="arrow"/>
           </a:ln>
         </p:spPr>
@@ -4403,6 +4430,9 @@
             <a:avLst/>
           </a:prstGeom>
           <a:ln w="25400">
+            <a:solidFill>
+              <a:schemeClr val="accent1"/>
+            </a:solidFill>
             <a:tailEnd type="arrow"/>
           </a:ln>
         </p:spPr>
@@ -4439,6 +4469,9 @@
             <a:avLst/>
           </a:prstGeom>
           <a:ln w="25400">
+            <a:solidFill>
+              <a:schemeClr val="accent1"/>
+            </a:solidFill>
             <a:tailEnd type="arrow"/>
           </a:ln>
         </p:spPr>
@@ -4564,7 +4597,7 @@
           <a:noFill/>
           <a:ln>
             <a:solidFill>
-              <a:schemeClr val="tx2"/>
+              <a:schemeClr val="accent1"/>
             </a:solidFill>
           </a:ln>
         </p:spPr>
@@ -4670,8 +4703,12 @@
             <a:avLst/>
           </a:prstGeom>
           <a:ln>
+            <a:solidFill>
+              <a:schemeClr val="accent1"/>
+            </a:solidFill>
             <a:prstDash val="dash"/>
           </a:ln>
+          <a:effectLst/>
         </p:spPr>
         <p:style>
           <a:lnRef idx="2">
